--- a/1.数据结构与算法/剑指offer/图.pptx
+++ b/1.数据结构与算法/剑指offer/图.pptx
@@ -6,6 +6,7 @@
   </p:sldMasterIdLst>
   <p:sldIdLst>
     <p:sldId id="256" r:id="rId2"/>
+    <p:sldId id="257" r:id="rId3"/>
   </p:sldIdLst>
   <p:sldSz cx="12192000" cy="6858000"/>
   <p:notesSz cx="6858000" cy="9144000"/>
@@ -104,6 +105,11 @@
       </a:defRPr>
     </a:lvl9pPr>
   </p:defaultTextStyle>
+  <p:extLst>
+    <p:ext uri="{EFAFB233-063F-42B5-8137-9DF3F51BA10A}">
+      <p15:sldGuideLst xmlns:p15="http://schemas.microsoft.com/office/powerpoint/2012/main"/>
+    </p:ext>
+  </p:extLst>
 </p:presentation>
 </file>
 
@@ -254,7 +260,7 @@
           <a:p>
             <a:fld id="{550A2A1C-D1A7-4DA6-9287-5B1D3EEFD759}" type="datetimeFigureOut">
               <a:rPr lang="zh-CN" altLang="en-US" smtClean="0"/>
-              <a:t>2018/10/14</a:t>
+              <a:t>2018/10/15</a:t>
             </a:fld>
             <a:endParaRPr lang="zh-CN" altLang="en-US"/>
           </a:p>
@@ -452,7 +458,7 @@
           <a:p>
             <a:fld id="{550A2A1C-D1A7-4DA6-9287-5B1D3EEFD759}" type="datetimeFigureOut">
               <a:rPr lang="zh-CN" altLang="en-US" smtClean="0"/>
-              <a:t>2018/10/14</a:t>
+              <a:t>2018/10/15</a:t>
             </a:fld>
             <a:endParaRPr lang="zh-CN" altLang="en-US"/>
           </a:p>
@@ -660,7 +666,7 @@
           <a:p>
             <a:fld id="{550A2A1C-D1A7-4DA6-9287-5B1D3EEFD759}" type="datetimeFigureOut">
               <a:rPr lang="zh-CN" altLang="en-US" smtClean="0"/>
-              <a:t>2018/10/14</a:t>
+              <a:t>2018/10/15</a:t>
             </a:fld>
             <a:endParaRPr lang="zh-CN" altLang="en-US"/>
           </a:p>
@@ -858,7 +864,7 @@
           <a:p>
             <a:fld id="{550A2A1C-D1A7-4DA6-9287-5B1D3EEFD759}" type="datetimeFigureOut">
               <a:rPr lang="zh-CN" altLang="en-US" smtClean="0"/>
-              <a:t>2018/10/14</a:t>
+              <a:t>2018/10/15</a:t>
             </a:fld>
             <a:endParaRPr lang="zh-CN" altLang="en-US"/>
           </a:p>
@@ -1133,7 +1139,7 @@
           <a:p>
             <a:fld id="{550A2A1C-D1A7-4DA6-9287-5B1D3EEFD759}" type="datetimeFigureOut">
               <a:rPr lang="zh-CN" altLang="en-US" smtClean="0"/>
-              <a:t>2018/10/14</a:t>
+              <a:t>2018/10/15</a:t>
             </a:fld>
             <a:endParaRPr lang="zh-CN" altLang="en-US"/>
           </a:p>
@@ -1398,7 +1404,7 @@
           <a:p>
             <a:fld id="{550A2A1C-D1A7-4DA6-9287-5B1D3EEFD759}" type="datetimeFigureOut">
               <a:rPr lang="zh-CN" altLang="en-US" smtClean="0"/>
-              <a:t>2018/10/14</a:t>
+              <a:t>2018/10/15</a:t>
             </a:fld>
             <a:endParaRPr lang="zh-CN" altLang="en-US"/>
           </a:p>
@@ -1810,7 +1816,7 @@
           <a:p>
             <a:fld id="{550A2A1C-D1A7-4DA6-9287-5B1D3EEFD759}" type="datetimeFigureOut">
               <a:rPr lang="zh-CN" altLang="en-US" smtClean="0"/>
-              <a:t>2018/10/14</a:t>
+              <a:t>2018/10/15</a:t>
             </a:fld>
             <a:endParaRPr lang="zh-CN" altLang="en-US"/>
           </a:p>
@@ -1951,7 +1957,7 @@
           <a:p>
             <a:fld id="{550A2A1C-D1A7-4DA6-9287-5B1D3EEFD759}" type="datetimeFigureOut">
               <a:rPr lang="zh-CN" altLang="en-US" smtClean="0"/>
-              <a:t>2018/10/14</a:t>
+              <a:t>2018/10/15</a:t>
             </a:fld>
             <a:endParaRPr lang="zh-CN" altLang="en-US"/>
           </a:p>
@@ -2064,7 +2070,7 @@
           <a:p>
             <a:fld id="{550A2A1C-D1A7-4DA6-9287-5B1D3EEFD759}" type="datetimeFigureOut">
               <a:rPr lang="zh-CN" altLang="en-US" smtClean="0"/>
-              <a:t>2018/10/14</a:t>
+              <a:t>2018/10/15</a:t>
             </a:fld>
             <a:endParaRPr lang="zh-CN" altLang="en-US"/>
           </a:p>
@@ -2375,7 +2381,7 @@
           <a:p>
             <a:fld id="{550A2A1C-D1A7-4DA6-9287-5B1D3EEFD759}" type="datetimeFigureOut">
               <a:rPr lang="zh-CN" altLang="en-US" smtClean="0"/>
-              <a:t>2018/10/14</a:t>
+              <a:t>2018/10/15</a:t>
             </a:fld>
             <a:endParaRPr lang="zh-CN" altLang="en-US"/>
           </a:p>
@@ -2663,7 +2669,7 @@
           <a:p>
             <a:fld id="{550A2A1C-D1A7-4DA6-9287-5B1D3EEFD759}" type="datetimeFigureOut">
               <a:rPr lang="zh-CN" altLang="en-US" smtClean="0"/>
-              <a:t>2018/10/14</a:t>
+              <a:t>2018/10/15</a:t>
             </a:fld>
             <a:endParaRPr lang="zh-CN" altLang="en-US"/>
           </a:p>
@@ -2904,7 +2910,7 @@
           <a:p>
             <a:fld id="{550A2A1C-D1A7-4DA6-9287-5B1D3EEFD759}" type="datetimeFigureOut">
               <a:rPr lang="zh-CN" altLang="en-US" smtClean="0"/>
-              <a:t>2018/10/14</a:t>
+              <a:t>2018/10/15</a:t>
             </a:fld>
             <a:endParaRPr lang="zh-CN" altLang="en-US"/>
           </a:p>
@@ -7268,6 +7274,549 @@
 </p:sld>
 </file>
 
+<file path=ppt/slides/slide2.xml><?xml version="1.0" encoding="utf-8"?>
+<p:sld xmlns:a="http://schemas.openxmlformats.org/drawingml/2006/main" xmlns:r="http://schemas.openxmlformats.org/officeDocument/2006/relationships" xmlns:p="http://schemas.openxmlformats.org/presentationml/2006/main">
+  <p:cSld>
+    <p:spTree>
+      <p:nvGrpSpPr>
+        <p:cNvPr id="1" name=""/>
+        <p:cNvGrpSpPr/>
+        <p:nvPr/>
+      </p:nvGrpSpPr>
+      <p:grpSpPr>
+        <a:xfrm>
+          <a:off x="0" y="0"/>
+          <a:ext cx="0" cy="0"/>
+          <a:chOff x="0" y="0"/>
+          <a:chExt cx="0" cy="0"/>
+        </a:xfrm>
+      </p:grpSpPr>
+      <p:grpSp>
+        <p:nvGrpSpPr>
+          <p:cNvPr id="44" name="组合 43">
+            <a:extLst>
+              <a:ext uri="{FF2B5EF4-FFF2-40B4-BE49-F238E27FC236}">
+                <a16:creationId xmlns:a16="http://schemas.microsoft.com/office/drawing/2014/main" id="{1A195442-8F5E-4E98-8465-250285493DA7}"/>
+              </a:ext>
+            </a:extLst>
+          </p:cNvPr>
+          <p:cNvGrpSpPr/>
+          <p:nvPr/>
+        </p:nvGrpSpPr>
+        <p:grpSpPr>
+          <a:xfrm>
+            <a:off x="6627268" y="1595536"/>
+            <a:ext cx="293509" cy="583161"/>
+            <a:chOff x="2313991" y="745674"/>
+            <a:chExt cx="293509" cy="583161"/>
+          </a:xfrm>
+        </p:grpSpPr>
+        <p:sp>
+          <p:nvSpPr>
+            <p:cNvPr id="8" name="矩形 7">
+              <a:extLst>
+                <a:ext uri="{FF2B5EF4-FFF2-40B4-BE49-F238E27FC236}">
+                  <a16:creationId xmlns:a16="http://schemas.microsoft.com/office/drawing/2014/main" id="{F3E7638E-6E16-49A1-B158-2F6672055DFA}"/>
+                </a:ext>
+              </a:extLst>
+            </p:cNvPr>
+            <p:cNvSpPr/>
+            <p:nvPr/>
+          </p:nvSpPr>
+          <p:spPr>
+            <a:xfrm>
+              <a:off x="2313991" y="745674"/>
+              <a:ext cx="293509" cy="583161"/>
+            </a:xfrm>
+            <a:prstGeom prst="rect">
+              <a:avLst/>
+            </a:prstGeom>
+            <a:solidFill>
+              <a:schemeClr val="bg1">
+                <a:lumMod val="95000"/>
+              </a:schemeClr>
+            </a:solidFill>
+          </p:spPr>
+          <p:style>
+            <a:lnRef idx="2">
+              <a:schemeClr val="accent1">
+                <a:shade val="50000"/>
+              </a:schemeClr>
+            </a:lnRef>
+            <a:fillRef idx="1">
+              <a:schemeClr val="accent1"/>
+            </a:fillRef>
+            <a:effectRef idx="0">
+              <a:schemeClr val="accent1"/>
+            </a:effectRef>
+            <a:fontRef idx="minor">
+              <a:schemeClr val="lt1"/>
+            </a:fontRef>
+          </p:style>
+          <p:txBody>
+            <a:bodyPr rtlCol="0" anchor="ctr"/>
+            <a:lstStyle/>
+            <a:p>
+              <a:pPr algn="ctr"/>
+              <a:endParaRPr lang="zh-CN" altLang="en-US"/>
+            </a:p>
+          </p:txBody>
+        </p:sp>
+        <p:cxnSp>
+          <p:nvCxnSpPr>
+            <p:cNvPr id="12" name="直接连接符 11">
+              <a:extLst>
+                <a:ext uri="{FF2B5EF4-FFF2-40B4-BE49-F238E27FC236}">
+                  <a16:creationId xmlns:a16="http://schemas.microsoft.com/office/drawing/2014/main" id="{E7746375-D82C-44AA-A066-E9623EC583C6}"/>
+                </a:ext>
+              </a:extLst>
+            </p:cNvPr>
+            <p:cNvCxnSpPr>
+              <a:stCxn id="8" idx="1"/>
+              <a:endCxn id="8" idx="3"/>
+            </p:cNvCxnSpPr>
+            <p:nvPr/>
+          </p:nvCxnSpPr>
+          <p:spPr>
+            <a:xfrm>
+              <a:off x="2313991" y="1037255"/>
+              <a:ext cx="293509" cy="0"/>
+            </a:xfrm>
+            <a:prstGeom prst="line">
+              <a:avLst/>
+            </a:prstGeom>
+          </p:spPr>
+          <p:style>
+            <a:lnRef idx="1">
+              <a:schemeClr val="accent1"/>
+            </a:lnRef>
+            <a:fillRef idx="0">
+              <a:schemeClr val="accent1"/>
+            </a:fillRef>
+            <a:effectRef idx="0">
+              <a:schemeClr val="accent1"/>
+            </a:effectRef>
+            <a:fontRef idx="minor">
+              <a:schemeClr val="tx1"/>
+            </a:fontRef>
+          </p:style>
+        </p:cxnSp>
+      </p:grpSp>
+      <p:grpSp>
+        <p:nvGrpSpPr>
+          <p:cNvPr id="102" name="组合 101">
+            <a:extLst>
+              <a:ext uri="{FF2B5EF4-FFF2-40B4-BE49-F238E27FC236}">
+                <a16:creationId xmlns:a16="http://schemas.microsoft.com/office/drawing/2014/main" id="{9E9208F6-61CD-4379-ABD6-7BA4E2FFE150}"/>
+              </a:ext>
+            </a:extLst>
+          </p:cNvPr>
+          <p:cNvGrpSpPr/>
+          <p:nvPr/>
+        </p:nvGrpSpPr>
+        <p:grpSpPr>
+          <a:xfrm>
+            <a:off x="6335687" y="2764972"/>
+            <a:ext cx="583161" cy="293509"/>
+            <a:chOff x="3576936" y="2085594"/>
+            <a:chExt cx="583161" cy="293509"/>
+          </a:xfrm>
+          <a:solidFill>
+            <a:schemeClr val="accent2">
+              <a:lumMod val="40000"/>
+              <a:lumOff val="60000"/>
+            </a:schemeClr>
+          </a:solidFill>
+        </p:grpSpPr>
+        <p:sp>
+          <p:nvSpPr>
+            <p:cNvPr id="103" name="矩形 102">
+              <a:extLst>
+                <a:ext uri="{FF2B5EF4-FFF2-40B4-BE49-F238E27FC236}">
+                  <a16:creationId xmlns:a16="http://schemas.microsoft.com/office/drawing/2014/main" id="{BF9685FF-4679-4691-8178-01686691493A}"/>
+                </a:ext>
+              </a:extLst>
+            </p:cNvPr>
+            <p:cNvSpPr/>
+            <p:nvPr/>
+          </p:nvSpPr>
+          <p:spPr>
+            <a:xfrm rot="5400000">
+              <a:off x="3721762" y="1940768"/>
+              <a:ext cx="293509" cy="583161"/>
+            </a:xfrm>
+            <a:prstGeom prst="rect">
+              <a:avLst/>
+            </a:prstGeom>
+            <a:grpFill/>
+          </p:spPr>
+          <p:style>
+            <a:lnRef idx="2">
+              <a:schemeClr val="accent1">
+                <a:shade val="50000"/>
+              </a:schemeClr>
+            </a:lnRef>
+            <a:fillRef idx="1">
+              <a:schemeClr val="accent1"/>
+            </a:fillRef>
+            <a:effectRef idx="0">
+              <a:schemeClr val="accent1"/>
+            </a:effectRef>
+            <a:fontRef idx="minor">
+              <a:schemeClr val="lt1"/>
+            </a:fontRef>
+          </p:style>
+          <p:txBody>
+            <a:bodyPr rtlCol="0" anchor="ctr"/>
+            <a:lstStyle/>
+            <a:p>
+              <a:pPr algn="ctr"/>
+              <a:endParaRPr lang="zh-CN" altLang="en-US" dirty="0"/>
+            </a:p>
+          </p:txBody>
+        </p:sp>
+        <p:cxnSp>
+          <p:nvCxnSpPr>
+            <p:cNvPr id="104" name="直接连接符 103">
+              <a:extLst>
+                <a:ext uri="{FF2B5EF4-FFF2-40B4-BE49-F238E27FC236}">
+                  <a16:creationId xmlns:a16="http://schemas.microsoft.com/office/drawing/2014/main" id="{CE5145FF-04AE-464B-BEB0-77F63F3A1164}"/>
+                </a:ext>
+              </a:extLst>
+            </p:cNvPr>
+            <p:cNvCxnSpPr>
+              <a:cxnSpLocks/>
+              <a:stCxn id="103" idx="1"/>
+              <a:endCxn id="103" idx="3"/>
+            </p:cNvCxnSpPr>
+            <p:nvPr/>
+          </p:nvCxnSpPr>
+          <p:spPr>
+            <a:xfrm>
+              <a:off x="3868516" y="2085594"/>
+              <a:ext cx="0" cy="293509"/>
+            </a:xfrm>
+            <a:prstGeom prst="line">
+              <a:avLst/>
+            </a:prstGeom>
+            <a:grpFill/>
+          </p:spPr>
+          <p:style>
+            <a:lnRef idx="1">
+              <a:schemeClr val="accent1"/>
+            </a:lnRef>
+            <a:fillRef idx="0">
+              <a:schemeClr val="accent1"/>
+            </a:fillRef>
+            <a:effectRef idx="0">
+              <a:schemeClr val="accent1"/>
+            </a:effectRef>
+            <a:fontRef idx="minor">
+              <a:schemeClr val="tx1"/>
+            </a:fontRef>
+          </p:style>
+        </p:cxnSp>
+      </p:grpSp>
+      <p:sp>
+        <p:nvSpPr>
+          <p:cNvPr id="2" name="矩形 1">
+            <a:extLst>
+              <a:ext uri="{FF2B5EF4-FFF2-40B4-BE49-F238E27FC236}">
+                <a16:creationId xmlns:a16="http://schemas.microsoft.com/office/drawing/2014/main" id="{A59B6F97-BF02-4FCC-808D-59D1774FB12B}"/>
+              </a:ext>
+            </a:extLst>
+          </p:cNvPr>
+          <p:cNvSpPr/>
+          <p:nvPr/>
+        </p:nvSpPr>
+        <p:spPr>
+          <a:xfrm>
+            <a:off x="3207194" y="1595536"/>
+            <a:ext cx="3725450" cy="583161"/>
+          </a:xfrm>
+          <a:prstGeom prst="rect">
+            <a:avLst/>
+          </a:prstGeom>
+          <a:noFill/>
+        </p:spPr>
+        <p:style>
+          <a:lnRef idx="2">
+            <a:schemeClr val="accent1">
+              <a:shade val="50000"/>
+            </a:schemeClr>
+          </a:lnRef>
+          <a:fillRef idx="1">
+            <a:schemeClr val="accent1"/>
+          </a:fillRef>
+          <a:effectRef idx="0">
+            <a:schemeClr val="accent1"/>
+          </a:effectRef>
+          <a:fontRef idx="minor">
+            <a:schemeClr val="lt1"/>
+          </a:fontRef>
+        </p:style>
+        <p:txBody>
+          <a:bodyPr rtlCol="0" anchor="ctr"/>
+          <a:lstStyle/>
+          <a:p>
+            <a:pPr algn="ctr"/>
+            <a:endParaRPr lang="zh-CN" altLang="en-US"/>
+          </a:p>
+        </p:txBody>
+      </p:sp>
+      <p:sp>
+        <p:nvSpPr>
+          <p:cNvPr id="113" name="矩形 112">
+            <a:extLst>
+              <a:ext uri="{FF2B5EF4-FFF2-40B4-BE49-F238E27FC236}">
+                <a16:creationId xmlns:a16="http://schemas.microsoft.com/office/drawing/2014/main" id="{0D4B4DF3-23E8-48AE-982E-3EBE82D3CED2}"/>
+              </a:ext>
+            </a:extLst>
+          </p:cNvPr>
+          <p:cNvSpPr/>
+          <p:nvPr/>
+        </p:nvSpPr>
+        <p:spPr>
+          <a:xfrm>
+            <a:off x="3207194" y="2764972"/>
+            <a:ext cx="3725450" cy="583161"/>
+          </a:xfrm>
+          <a:prstGeom prst="rect">
+            <a:avLst/>
+          </a:prstGeom>
+          <a:noFill/>
+        </p:spPr>
+        <p:style>
+          <a:lnRef idx="2">
+            <a:schemeClr val="accent1">
+              <a:shade val="50000"/>
+            </a:schemeClr>
+          </a:lnRef>
+          <a:fillRef idx="1">
+            <a:schemeClr val="accent1"/>
+          </a:fillRef>
+          <a:effectRef idx="0">
+            <a:schemeClr val="accent1"/>
+          </a:effectRef>
+          <a:fontRef idx="minor">
+            <a:schemeClr val="lt1"/>
+          </a:fontRef>
+        </p:style>
+        <p:txBody>
+          <a:bodyPr rtlCol="0" anchor="ctr"/>
+          <a:lstStyle/>
+          <a:p>
+            <a:pPr algn="ctr"/>
+            <a:endParaRPr lang="zh-CN" altLang="en-US"/>
+          </a:p>
+        </p:txBody>
+      </p:sp>
+      <p:grpSp>
+        <p:nvGrpSpPr>
+          <p:cNvPr id="115" name="组合 114">
+            <a:extLst>
+              <a:ext uri="{FF2B5EF4-FFF2-40B4-BE49-F238E27FC236}">
+                <a16:creationId xmlns:a16="http://schemas.microsoft.com/office/drawing/2014/main" id="{A0DC51ED-0BBF-4597-92A7-88625400F14D}"/>
+              </a:ext>
+            </a:extLst>
+          </p:cNvPr>
+          <p:cNvGrpSpPr/>
+          <p:nvPr/>
+        </p:nvGrpSpPr>
+        <p:grpSpPr>
+          <a:xfrm>
+            <a:off x="6335687" y="3052696"/>
+            <a:ext cx="583161" cy="293509"/>
+            <a:chOff x="3576936" y="2085594"/>
+            <a:chExt cx="583161" cy="293509"/>
+          </a:xfrm>
+          <a:solidFill>
+            <a:schemeClr val="accent1">
+              <a:lumMod val="40000"/>
+              <a:lumOff val="60000"/>
+            </a:schemeClr>
+          </a:solidFill>
+        </p:grpSpPr>
+        <p:sp>
+          <p:nvSpPr>
+            <p:cNvPr id="116" name="矩形 115">
+              <a:extLst>
+                <a:ext uri="{FF2B5EF4-FFF2-40B4-BE49-F238E27FC236}">
+                  <a16:creationId xmlns:a16="http://schemas.microsoft.com/office/drawing/2014/main" id="{B6D1C527-B64B-474A-B7A6-A26F5DD6F19D}"/>
+                </a:ext>
+              </a:extLst>
+            </p:cNvPr>
+            <p:cNvSpPr/>
+            <p:nvPr/>
+          </p:nvSpPr>
+          <p:spPr>
+            <a:xfrm rot="5400000">
+              <a:off x="3721762" y="1940768"/>
+              <a:ext cx="293509" cy="583161"/>
+            </a:xfrm>
+            <a:prstGeom prst="rect">
+              <a:avLst/>
+            </a:prstGeom>
+            <a:grpFill/>
+          </p:spPr>
+          <p:style>
+            <a:lnRef idx="2">
+              <a:schemeClr val="accent1">
+                <a:shade val="50000"/>
+              </a:schemeClr>
+            </a:lnRef>
+            <a:fillRef idx="1">
+              <a:schemeClr val="accent1"/>
+            </a:fillRef>
+            <a:effectRef idx="0">
+              <a:schemeClr val="accent1"/>
+            </a:effectRef>
+            <a:fontRef idx="minor">
+              <a:schemeClr val="lt1"/>
+            </a:fontRef>
+          </p:style>
+          <p:txBody>
+            <a:bodyPr rtlCol="0" anchor="ctr"/>
+            <a:lstStyle/>
+            <a:p>
+              <a:pPr algn="ctr"/>
+              <a:endParaRPr lang="zh-CN" altLang="en-US" dirty="0"/>
+            </a:p>
+          </p:txBody>
+        </p:sp>
+        <p:cxnSp>
+          <p:nvCxnSpPr>
+            <p:cNvPr id="117" name="直接连接符 116">
+              <a:extLst>
+                <a:ext uri="{FF2B5EF4-FFF2-40B4-BE49-F238E27FC236}">
+                  <a16:creationId xmlns:a16="http://schemas.microsoft.com/office/drawing/2014/main" id="{AC9F209A-9612-4540-8B32-2F7ED98C41FA}"/>
+                </a:ext>
+              </a:extLst>
+            </p:cNvPr>
+            <p:cNvCxnSpPr>
+              <a:cxnSpLocks/>
+              <a:stCxn id="116" idx="1"/>
+              <a:endCxn id="116" idx="3"/>
+            </p:cNvCxnSpPr>
+            <p:nvPr/>
+          </p:nvCxnSpPr>
+          <p:spPr>
+            <a:xfrm>
+              <a:off x="3868516" y="2085594"/>
+              <a:ext cx="0" cy="293509"/>
+            </a:xfrm>
+            <a:prstGeom prst="line">
+              <a:avLst/>
+            </a:prstGeom>
+            <a:grpFill/>
+          </p:spPr>
+          <p:style>
+            <a:lnRef idx="1">
+              <a:schemeClr val="accent1"/>
+            </a:lnRef>
+            <a:fillRef idx="0">
+              <a:schemeClr val="accent1"/>
+            </a:fillRef>
+            <a:effectRef idx="0">
+              <a:schemeClr val="accent1"/>
+            </a:effectRef>
+            <a:fontRef idx="minor">
+              <a:schemeClr val="tx1"/>
+            </a:fontRef>
+          </p:style>
+        </p:cxnSp>
+      </p:grpSp>
+      <p:sp>
+        <p:nvSpPr>
+          <p:cNvPr id="9" name="文本框 8">
+            <a:extLst>
+              <a:ext uri="{FF2B5EF4-FFF2-40B4-BE49-F238E27FC236}">
+                <a16:creationId xmlns:a16="http://schemas.microsoft.com/office/drawing/2014/main" id="{F4229F71-A61E-48EA-AD63-F32A84035CE7}"/>
+              </a:ext>
+            </a:extLst>
+          </p:cNvPr>
+          <p:cNvSpPr txBox="1"/>
+          <p:nvPr/>
+        </p:nvSpPr>
+        <p:spPr>
+          <a:xfrm>
+            <a:off x="4181292" y="1702450"/>
+            <a:ext cx="1471878" cy="369332"/>
+          </a:xfrm>
+          <a:prstGeom prst="rect">
+            <a:avLst/>
+          </a:prstGeom>
+          <a:noFill/>
+        </p:spPr>
+        <p:txBody>
+          <a:bodyPr wrap="none" rtlCol="0">
+            <a:spAutoFit/>
+          </a:bodyPr>
+          <a:lstStyle/>
+          <a:p>
+            <a:r>
+              <a:rPr lang="en-US" altLang="zh-CN" dirty="0"/>
+              <a:t>n-1</a:t>
+            </a:r>
+            <a:r>
+              <a:rPr lang="zh-CN" altLang="en-US" dirty="0"/>
+              <a:t>个小矩形</a:t>
+            </a:r>
+          </a:p>
+        </p:txBody>
+      </p:sp>
+      <p:sp>
+        <p:nvSpPr>
+          <p:cNvPr id="120" name="文本框 119">
+            <a:extLst>
+              <a:ext uri="{FF2B5EF4-FFF2-40B4-BE49-F238E27FC236}">
+                <a16:creationId xmlns:a16="http://schemas.microsoft.com/office/drawing/2014/main" id="{85D761A2-DEA3-48C0-AC2F-F9C825F54D8A}"/>
+              </a:ext>
+            </a:extLst>
+          </p:cNvPr>
+          <p:cNvSpPr txBox="1"/>
+          <p:nvPr/>
+        </p:nvSpPr>
+        <p:spPr>
+          <a:xfrm>
+            <a:off x="4036454" y="2856925"/>
+            <a:ext cx="1471878" cy="369332"/>
+          </a:xfrm>
+          <a:prstGeom prst="rect">
+            <a:avLst/>
+          </a:prstGeom>
+          <a:noFill/>
+        </p:spPr>
+        <p:txBody>
+          <a:bodyPr wrap="none" rtlCol="0">
+            <a:spAutoFit/>
+          </a:bodyPr>
+          <a:lstStyle/>
+          <a:p>
+            <a:r>
+              <a:rPr lang="en-US" altLang="zh-CN" dirty="0"/>
+              <a:t>n-2</a:t>
+            </a:r>
+            <a:r>
+              <a:rPr lang="zh-CN" altLang="en-US" dirty="0"/>
+              <a:t>个小矩形</a:t>
+            </a:r>
+          </a:p>
+        </p:txBody>
+      </p:sp>
+    </p:spTree>
+    <p:extLst>
+      <p:ext uri="{BB962C8B-B14F-4D97-AF65-F5344CB8AC3E}">
+        <p14:creationId xmlns:p14="http://schemas.microsoft.com/office/powerpoint/2010/main" val="1446167242"/>
+      </p:ext>
+    </p:extLst>
+  </p:cSld>
+  <p:clrMapOvr>
+    <a:masterClrMapping/>
+  </p:clrMapOvr>
+</p:sld>
+</file>
+
 <file path=ppt/theme/theme1.xml><?xml version="1.0" encoding="utf-8"?>
 <a:theme xmlns:a="http://schemas.openxmlformats.org/drawingml/2006/main" name="Office 主题​​">
   <a:themeElements>
